--- a/Data/Image/UI/keyBoad.pptx
+++ b/Data/Image/UI/keyBoad.pptx
@@ -259,7 +259,7 @@
           <a:p>
             <a:fld id="{D31E1A04-95C2-4182-9035-9E823D6EE173}" type="datetimeFigureOut">
               <a:rPr kumimoji="1" lang="ja-JP" altLang="en-US" smtClean="0"/>
-              <a:t>2024/1/26</a:t>
+              <a:t>2024/1/28</a:t>
             </a:fld>
             <a:endParaRPr kumimoji="1" lang="ja-JP" altLang="en-US"/>
           </a:p>
@@ -489,7 +489,7 @@
           <a:p>
             <a:fld id="{D31E1A04-95C2-4182-9035-9E823D6EE173}" type="datetimeFigureOut">
               <a:rPr kumimoji="1" lang="ja-JP" altLang="en-US" smtClean="0"/>
-              <a:t>2024/1/26</a:t>
+              <a:t>2024/1/28</a:t>
             </a:fld>
             <a:endParaRPr kumimoji="1" lang="ja-JP" altLang="en-US"/>
           </a:p>
@@ -729,7 +729,7 @@
           <a:p>
             <a:fld id="{D31E1A04-95C2-4182-9035-9E823D6EE173}" type="datetimeFigureOut">
               <a:rPr kumimoji="1" lang="ja-JP" altLang="en-US" smtClean="0"/>
-              <a:t>2024/1/26</a:t>
+              <a:t>2024/1/28</a:t>
             </a:fld>
             <a:endParaRPr kumimoji="1" lang="ja-JP" altLang="en-US"/>
           </a:p>
@@ -959,7 +959,7 @@
           <a:p>
             <a:fld id="{D31E1A04-95C2-4182-9035-9E823D6EE173}" type="datetimeFigureOut">
               <a:rPr kumimoji="1" lang="ja-JP" altLang="en-US" smtClean="0"/>
-              <a:t>2024/1/26</a:t>
+              <a:t>2024/1/28</a:t>
             </a:fld>
             <a:endParaRPr kumimoji="1" lang="ja-JP" altLang="en-US"/>
           </a:p>
@@ -1234,7 +1234,7 @@
           <a:p>
             <a:fld id="{D31E1A04-95C2-4182-9035-9E823D6EE173}" type="datetimeFigureOut">
               <a:rPr kumimoji="1" lang="ja-JP" altLang="en-US" smtClean="0"/>
-              <a:t>2024/1/26</a:t>
+              <a:t>2024/1/28</a:t>
             </a:fld>
             <a:endParaRPr kumimoji="1" lang="ja-JP" altLang="en-US"/>
           </a:p>
@@ -1563,7 +1563,7 @@
           <a:p>
             <a:fld id="{D31E1A04-95C2-4182-9035-9E823D6EE173}" type="datetimeFigureOut">
               <a:rPr kumimoji="1" lang="ja-JP" altLang="en-US" smtClean="0"/>
-              <a:t>2024/1/26</a:t>
+              <a:t>2024/1/28</a:t>
             </a:fld>
             <a:endParaRPr kumimoji="1" lang="ja-JP" altLang="en-US"/>
           </a:p>
@@ -2039,7 +2039,7 @@
           <a:p>
             <a:fld id="{D31E1A04-95C2-4182-9035-9E823D6EE173}" type="datetimeFigureOut">
               <a:rPr kumimoji="1" lang="ja-JP" altLang="en-US" smtClean="0"/>
-              <a:t>2024/1/26</a:t>
+              <a:t>2024/1/28</a:t>
             </a:fld>
             <a:endParaRPr kumimoji="1" lang="ja-JP" altLang="en-US"/>
           </a:p>
@@ -2180,7 +2180,7 @@
           <a:p>
             <a:fld id="{D31E1A04-95C2-4182-9035-9E823D6EE173}" type="datetimeFigureOut">
               <a:rPr kumimoji="1" lang="ja-JP" altLang="en-US" smtClean="0"/>
-              <a:t>2024/1/26</a:t>
+              <a:t>2024/1/28</a:t>
             </a:fld>
             <a:endParaRPr kumimoji="1" lang="ja-JP" altLang="en-US"/>
           </a:p>
@@ -2293,7 +2293,7 @@
           <a:p>
             <a:fld id="{D31E1A04-95C2-4182-9035-9E823D6EE173}" type="datetimeFigureOut">
               <a:rPr kumimoji="1" lang="ja-JP" altLang="en-US" smtClean="0"/>
-              <a:t>2024/1/26</a:t>
+              <a:t>2024/1/28</a:t>
             </a:fld>
             <a:endParaRPr kumimoji="1" lang="ja-JP" altLang="en-US"/>
           </a:p>
@@ -2636,7 +2636,7 @@
           <a:p>
             <a:fld id="{D31E1A04-95C2-4182-9035-9E823D6EE173}" type="datetimeFigureOut">
               <a:rPr kumimoji="1" lang="ja-JP" altLang="en-US" smtClean="0"/>
-              <a:t>2024/1/26</a:t>
+              <a:t>2024/1/28</a:t>
             </a:fld>
             <a:endParaRPr kumimoji="1" lang="ja-JP" altLang="en-US"/>
           </a:p>
@@ -2924,7 +2924,7 @@
           <a:p>
             <a:fld id="{D31E1A04-95C2-4182-9035-9E823D6EE173}" type="datetimeFigureOut">
               <a:rPr kumimoji="1" lang="ja-JP" altLang="en-US" smtClean="0"/>
-              <a:t>2024/1/26</a:t>
+              <a:t>2024/1/28</a:t>
             </a:fld>
             <a:endParaRPr kumimoji="1" lang="ja-JP" altLang="en-US"/>
           </a:p>
@@ -3197,7 +3197,7 @@
           <a:p>
             <a:fld id="{D31E1A04-95C2-4182-9035-9E823D6EE173}" type="datetimeFigureOut">
               <a:rPr kumimoji="1" lang="ja-JP" altLang="en-US" smtClean="0"/>
-              <a:t>2024/1/26</a:t>
+              <a:t>2024/1/28</a:t>
             </a:fld>
             <a:endParaRPr kumimoji="1" lang="ja-JP" altLang="en-US"/>
           </a:p>
@@ -3642,7 +3642,7 @@
         </p:blipFill>
         <p:spPr>
           <a:xfrm>
-            <a:off x="0" y="0"/>
+            <a:off x="-1" y="32831"/>
             <a:ext cx="12344400" cy="6858000"/>
           </a:xfrm>
           <a:prstGeom prst="rect">
@@ -4873,6 +4873,81 @@
                 <a:ea typeface="BIZ UD明朝 Medium" panose="02020500000000000000" pitchFamily="17" charset="-128"/>
               </a:rPr>
               <a:t>ロックオン</a:t>
+            </a:r>
+          </a:p>
+        </p:txBody>
+      </p:sp>
+      <p:pic>
+        <p:nvPicPr>
+          <p:cNvPr id="3" name="図 2" descr="ロゴ&#10;&#10;自動的に生成された説明">
+            <a:extLst>
+              <a:ext uri="{FF2B5EF4-FFF2-40B4-BE49-F238E27FC236}">
+                <a16:creationId xmlns:a16="http://schemas.microsoft.com/office/drawing/2014/main" id="{FF385EB1-04AC-E7C9-4E0D-C2B2249EF650}"/>
+              </a:ext>
+            </a:extLst>
+          </p:cNvPr>
+          <p:cNvPicPr>
+            <a:picLocks noChangeAspect="1"/>
+          </p:cNvPicPr>
+          <p:nvPr/>
+        </p:nvPicPr>
+        <p:blipFill>
+          <a:blip r:embed="rId5">
+            <a:extLst>
+              <a:ext uri="{28A0092B-C50C-407E-A947-70E740481C1C}">
+                <a14:useLocalDpi xmlns:a14="http://schemas.microsoft.com/office/drawing/2010/main" val="0"/>
+              </a:ext>
+            </a:extLst>
+          </a:blip>
+          <a:stretch>
+            <a:fillRect/>
+          </a:stretch>
+        </p:blipFill>
+        <p:spPr>
+          <a:xfrm>
+            <a:off x="10323914" y="6093586"/>
+            <a:ext cx="896471" cy="358588"/>
+          </a:xfrm>
+          <a:prstGeom prst="rect">
+            <a:avLst/>
+          </a:prstGeom>
+        </p:spPr>
+      </p:pic>
+      <p:sp>
+        <p:nvSpPr>
+          <p:cNvPr id="5" name="テキスト ボックス 4">
+            <a:extLst>
+              <a:ext uri="{FF2B5EF4-FFF2-40B4-BE49-F238E27FC236}">
+                <a16:creationId xmlns:a16="http://schemas.microsoft.com/office/drawing/2014/main" id="{A7A9522B-0300-1401-DD38-8FD5ECDA68AB}"/>
+              </a:ext>
+            </a:extLst>
+          </p:cNvPr>
+          <p:cNvSpPr txBox="1"/>
+          <p:nvPr/>
+        </p:nvSpPr>
+        <p:spPr>
+          <a:xfrm>
+            <a:off x="11186597" y="5980493"/>
+            <a:ext cx="1005403" cy="584775"/>
+          </a:xfrm>
+          <a:prstGeom prst="rect">
+            <a:avLst/>
+          </a:prstGeom>
+          <a:noFill/>
+        </p:spPr>
+        <p:txBody>
+          <a:bodyPr wrap="square" rtlCol="0">
+            <a:spAutoFit/>
+          </a:bodyPr>
+          <a:lstStyle/>
+          <a:p>
+            <a:pPr algn="ctr"/>
+            <a:r>
+              <a:rPr kumimoji="1" lang="ja-JP" altLang="en-US" sz="3200" dirty="0">
+                <a:latin typeface="BIZ UD明朝 Medium" panose="02020500000000000000" pitchFamily="17" charset="-128"/>
+                <a:ea typeface="BIZ UD明朝 Medium" panose="02020500000000000000" pitchFamily="17" charset="-128"/>
+              </a:rPr>
+              <a:t>戦う</a:t>
             </a:r>
           </a:p>
         </p:txBody>
